--- a/warCardGame.pptx
+++ b/warCardGame.pptx
@@ -5,7 +5,7 @@
     <p:sldMasterId id="2147483648" r:id="rId1"/>
   </p:sldMasterIdLst>
   <p:notesMasterIdLst>
-    <p:notesMasterId r:id="rId7"/>
+    <p:notesMasterId r:id="rId8"/>
   </p:notesMasterIdLst>
   <p:sldIdLst>
     <p:sldId id="256" r:id="rId2"/>
@@ -13,6 +13,7 @@
     <p:sldId id="258" r:id="rId4"/>
     <p:sldId id="259" r:id="rId5"/>
     <p:sldId id="261" r:id="rId6"/>
+    <p:sldId id="262" r:id="rId7"/>
   </p:sldIdLst>
   <p:sldSz cx="12192000" cy="6858000"/>
   <p:notesSz cx="6858000" cy="9144000"/>
@@ -111,6 +112,11 @@
       </a:defRPr>
     </a:lvl9pPr>
   </p:defaultTextStyle>
+  <p:extLst>
+    <p:ext uri="{EFAFB233-063F-42B5-8137-9DF3F51BA10A}">
+      <p15:sldGuideLst xmlns:p15="http://schemas.microsoft.com/office/powerpoint/2012/main"/>
+    </p:ext>
+  </p:extLst>
 </p:presentation>
 </file>
 
@@ -196,7 +202,7 @@
           <a:p>
             <a:fld id="{445D8B51-0A76-44B6-8066-563D70131F60}" type="datetimeFigureOut">
               <a:rPr lang="en-US" smtClean="0"/>
-              <a:t>1/13/2015</a:t>
+              <a:t>1/14/2015</a:t>
             </a:fld>
             <a:endParaRPr lang="en-US"/>
           </a:p>
@@ -679,7 +685,7 @@
           <a:p>
             <a:fld id="{38236380-D492-4719-B808-C67A6F734671}" type="datetimeFigureOut">
               <a:rPr lang="en-US" smtClean="0"/>
-              <a:t>1/13/2015</a:t>
+              <a:t>1/14/2015</a:t>
             </a:fld>
             <a:endParaRPr lang="en-US"/>
           </a:p>
@@ -849,7 +855,7 @@
           <a:p>
             <a:fld id="{38236380-D492-4719-B808-C67A6F734671}" type="datetimeFigureOut">
               <a:rPr lang="en-US" smtClean="0"/>
-              <a:t>1/13/2015</a:t>
+              <a:t>1/14/2015</a:t>
             </a:fld>
             <a:endParaRPr lang="en-US"/>
           </a:p>
@@ -1029,7 +1035,7 @@
           <a:p>
             <a:fld id="{38236380-D492-4719-B808-C67A6F734671}" type="datetimeFigureOut">
               <a:rPr lang="en-US" smtClean="0"/>
-              <a:t>1/13/2015</a:t>
+              <a:t>1/14/2015</a:t>
             </a:fld>
             <a:endParaRPr lang="en-US"/>
           </a:p>
@@ -1199,7 +1205,7 @@
           <a:p>
             <a:fld id="{38236380-D492-4719-B808-C67A6F734671}" type="datetimeFigureOut">
               <a:rPr lang="en-US" smtClean="0"/>
-              <a:t>1/13/2015</a:t>
+              <a:t>1/14/2015</a:t>
             </a:fld>
             <a:endParaRPr lang="en-US"/>
           </a:p>
@@ -1602,7 +1608,7 @@
           <a:p>
             <a:fld id="{38236380-D492-4719-B808-C67A6F734671}" type="datetimeFigureOut">
               <a:rPr lang="en-US" smtClean="0"/>
-              <a:t>1/13/2015</a:t>
+              <a:t>1/14/2015</a:t>
             </a:fld>
             <a:endParaRPr lang="en-US"/>
           </a:p>
@@ -1834,7 +1840,7 @@
           <a:p>
             <a:fld id="{38236380-D492-4719-B808-C67A6F734671}" type="datetimeFigureOut">
               <a:rPr lang="en-US" smtClean="0"/>
-              <a:t>1/13/2015</a:t>
+              <a:t>1/14/2015</a:t>
             </a:fld>
             <a:endParaRPr lang="en-US"/>
           </a:p>
@@ -2201,7 +2207,7 @@
           <a:p>
             <a:fld id="{38236380-D492-4719-B808-C67A6F734671}" type="datetimeFigureOut">
               <a:rPr lang="en-US" smtClean="0"/>
-              <a:t>1/13/2015</a:t>
+              <a:t>1/14/2015</a:t>
             </a:fld>
             <a:endParaRPr lang="en-US"/>
           </a:p>
@@ -2319,7 +2325,7 @@
           <a:p>
             <a:fld id="{38236380-D492-4719-B808-C67A6F734671}" type="datetimeFigureOut">
               <a:rPr lang="en-US" smtClean="0"/>
-              <a:t>1/13/2015</a:t>
+              <a:t>1/14/2015</a:t>
             </a:fld>
             <a:endParaRPr lang="en-US"/>
           </a:p>
@@ -2414,7 +2420,7 @@
           <a:p>
             <a:fld id="{38236380-D492-4719-B808-C67A6F734671}" type="datetimeFigureOut">
               <a:rPr lang="en-US" smtClean="0"/>
-              <a:t>1/13/2015</a:t>
+              <a:t>1/14/2015</a:t>
             </a:fld>
             <a:endParaRPr lang="en-US"/>
           </a:p>
@@ -2691,7 +2697,7 @@
           <a:p>
             <a:fld id="{38236380-D492-4719-B808-C67A6F734671}" type="datetimeFigureOut">
               <a:rPr lang="en-US" smtClean="0"/>
-              <a:t>1/13/2015</a:t>
+              <a:t>1/14/2015</a:t>
             </a:fld>
             <a:endParaRPr lang="en-US"/>
           </a:p>
@@ -2944,7 +2950,7 @@
           <a:p>
             <a:fld id="{38236380-D492-4719-B808-C67A6F734671}" type="datetimeFigureOut">
               <a:rPr lang="en-US" smtClean="0"/>
-              <a:t>1/13/2015</a:t>
+              <a:t>1/14/2015</a:t>
             </a:fld>
             <a:endParaRPr lang="en-US"/>
           </a:p>
@@ -3157,7 +3163,7 @@
           <a:p>
             <a:fld id="{38236380-D492-4719-B808-C67A6F734671}" type="datetimeFigureOut">
               <a:rPr lang="en-US" smtClean="0"/>
-              <a:t>1/13/2015</a:t>
+              <a:t>1/14/2015</a:t>
             </a:fld>
             <a:endParaRPr lang="en-US"/>
           </a:p>
@@ -3754,23 +3760,7 @@
             </a:r>
             <a:r>
               <a:rPr lang="en-US" dirty="0" smtClean="0"/>
-              <a:t>	</a:t>
-            </a:r>
-            <a:r>
-              <a:rPr lang="en-US" dirty="0" smtClean="0"/>
-              <a:t>Spades, </a:t>
-            </a:r>
-            <a:r>
-              <a:rPr lang="en-US" dirty="0" smtClean="0"/>
-              <a:t>Hearts, Clubs </a:t>
-            </a:r>
-            <a:r>
-              <a:rPr lang="en-US" dirty="0" smtClean="0"/>
-              <a:t>and</a:t>
-            </a:r>
-            <a:r>
-              <a:rPr lang="en-US" dirty="0" smtClean="0"/>
-              <a:t> Diamonds</a:t>
+              <a:t>	Spades, Hearts, Clubs and Diamonds</a:t>
             </a:r>
           </a:p>
           <a:p>
@@ -5469,9 +5459,133 @@
           <a:lstStyle/>
           <a:p>
             <a:r>
+              <a:rPr lang="en-US" smtClean="0"/>
+              <a:t>Implementation - Thursday</a:t>
+            </a:r>
+            <a:endParaRPr lang="en-US" dirty="0"/>
+          </a:p>
+        </p:txBody>
+      </p:sp>
+      <p:sp>
+        <p:nvSpPr>
+          <p:cNvPr id="5" name="Content Placeholder 4"/>
+          <p:cNvSpPr>
+            <a:spLocks noGrp="1"/>
+          </p:cNvSpPr>
+          <p:nvPr>
+            <p:ph idx="1"/>
+          </p:nvPr>
+        </p:nvSpPr>
+        <p:spPr/>
+        <p:txBody>
+          <a:bodyPr>
+            <a:normAutofit/>
+          </a:bodyPr>
+          <a:lstStyle/>
+          <a:p>
+            <a:r>
+              <a:rPr lang="en-US" b="1" dirty="0" err="1"/>
+              <a:t>PlayingCard</a:t>
+            </a:r>
+            <a:endParaRPr lang="en-US" b="1" dirty="0"/>
+          </a:p>
+          <a:p>
+            <a:pPr lvl="1"/>
+            <a:r>
+              <a:rPr lang="en-US" dirty="0"/>
+              <a:t>Finish implementing methods</a:t>
+            </a:r>
+          </a:p>
+          <a:p>
+            <a:r>
+              <a:rPr lang="en-US" b="1" dirty="0"/>
+              <a:t>Card</a:t>
+            </a:r>
+          </a:p>
+          <a:p>
+            <a:pPr lvl="1"/>
+            <a:r>
+              <a:rPr lang="en-US" dirty="0"/>
+              <a:t>Complete Class card by extending abstract Class </a:t>
+            </a:r>
+            <a:r>
+              <a:rPr lang="en-US" dirty="0" err="1"/>
+              <a:t>PlayingCard</a:t>
+            </a:r>
+            <a:r>
+              <a:rPr lang="en-US" dirty="0"/>
+              <a:t> and implementing the Comparable interface</a:t>
+            </a:r>
+          </a:p>
+          <a:p>
+            <a:r>
+              <a:rPr lang="en-US" b="1" dirty="0" err="1"/>
+              <a:t>CardList</a:t>
+            </a:r>
+            <a:endParaRPr lang="en-US" b="1" dirty="0"/>
+          </a:p>
+          <a:p>
+            <a:pPr lvl="1"/>
+            <a:r>
+              <a:rPr lang="en-US" dirty="0"/>
+              <a:t>Create class </a:t>
+            </a:r>
+            <a:r>
+              <a:rPr lang="en-US" dirty="0" err="1"/>
+              <a:t>CardList</a:t>
+            </a:r>
+            <a:r>
+              <a:rPr lang="en-US" dirty="0"/>
+              <a:t> - see </a:t>
+            </a:r>
+            <a:r>
               <a:rPr lang="en-US" dirty="0" smtClean="0"/>
-              <a:t>Implementation</a:t>
-            </a:r>
+              <a:t>design </a:t>
+            </a:r>
+            <a:r>
+              <a:rPr lang="en-US" dirty="0"/>
+              <a:t>specification</a:t>
+            </a:r>
+          </a:p>
+          <a:p>
+            <a:r>
+              <a:rPr lang="en-US" b="1" dirty="0" err="1"/>
+              <a:t>CardDeck</a:t>
+            </a:r>
+            <a:endParaRPr lang="en-US" b="1" dirty="0"/>
+          </a:p>
+          <a:p>
+            <a:pPr lvl="1"/>
+            <a:r>
+              <a:rPr lang="en-US" dirty="0"/>
+              <a:t>Create class </a:t>
+            </a:r>
+            <a:r>
+              <a:rPr lang="en-US" dirty="0" err="1"/>
+              <a:t>CardDeck</a:t>
+            </a:r>
+            <a:r>
+              <a:rPr lang="en-US" dirty="0"/>
+              <a:t> that extends </a:t>
+            </a:r>
+            <a:r>
+              <a:rPr lang="en-US" dirty="0" err="1"/>
+              <a:t>CardList</a:t>
+            </a:r>
+            <a:r>
+              <a:rPr lang="en-US" dirty="0"/>
+              <a:t> - see </a:t>
+            </a:r>
+            <a:r>
+              <a:rPr lang="en-US" dirty="0" smtClean="0"/>
+              <a:t>design </a:t>
+            </a:r>
+            <a:r>
+              <a:rPr lang="en-US" dirty="0"/>
+              <a:t>specification</a:t>
+            </a:r>
+          </a:p>
+          <a:p>
             <a:endParaRPr lang="en-US" dirty="0"/>
           </a:p>
         </p:txBody>
@@ -5480,6 +5594,301 @@
     <p:extLst>
       <p:ext uri="{BB962C8B-B14F-4D97-AF65-F5344CB8AC3E}">
         <p14:creationId xmlns:p14="http://schemas.microsoft.com/office/powerpoint/2010/main" val="2082343882"/>
+      </p:ext>
+    </p:extLst>
+  </p:cSld>
+  <p:clrMapOvr>
+    <a:masterClrMapping/>
+  </p:clrMapOvr>
+  <p:timing>
+    <p:tnLst>
+      <p:par>
+        <p:cTn id="1" dur="indefinite" restart="never" nodeType="tmRoot"/>
+      </p:par>
+    </p:tnLst>
+  </p:timing>
+</p:sld>
+</file>
+
+<file path=ppt/slides/slide6.xml><?xml version="1.0" encoding="utf-8"?>
+<p:sld xmlns:a="http://schemas.openxmlformats.org/drawingml/2006/main" xmlns:r="http://schemas.openxmlformats.org/officeDocument/2006/relationships" xmlns:p="http://schemas.openxmlformats.org/presentationml/2006/main">
+  <p:cSld>
+    <p:spTree>
+      <p:nvGrpSpPr>
+        <p:cNvPr id="1" name=""/>
+        <p:cNvGrpSpPr/>
+        <p:nvPr/>
+      </p:nvGrpSpPr>
+      <p:grpSpPr>
+        <a:xfrm>
+          <a:off x="0" y="0"/>
+          <a:ext cx="0" cy="0"/>
+          <a:chOff x="0" y="0"/>
+          <a:chExt cx="0" cy="0"/>
+        </a:xfrm>
+      </p:grpSpPr>
+      <p:sp>
+        <p:nvSpPr>
+          <p:cNvPr id="2" name="Title 1"/>
+          <p:cNvSpPr>
+            <a:spLocks noGrp="1"/>
+          </p:cNvSpPr>
+          <p:nvPr>
+            <p:ph type="title"/>
+          </p:nvPr>
+        </p:nvSpPr>
+        <p:spPr/>
+        <p:txBody>
+          <a:bodyPr/>
+          <a:lstStyle/>
+          <a:p>
+            <a:r>
+              <a:rPr lang="en-US" dirty="0" smtClean="0"/>
+              <a:t>Main Program - Friday</a:t>
+            </a:r>
+            <a:endParaRPr lang="en-US" dirty="0"/>
+          </a:p>
+        </p:txBody>
+      </p:sp>
+      <p:sp>
+        <p:nvSpPr>
+          <p:cNvPr id="3" name="Content Placeholder 2"/>
+          <p:cNvSpPr>
+            <a:spLocks noGrp="1"/>
+          </p:cNvSpPr>
+          <p:nvPr>
+            <p:ph idx="1"/>
+          </p:nvPr>
+        </p:nvSpPr>
+        <p:spPr/>
+        <p:txBody>
+          <a:bodyPr/>
+          <a:lstStyle/>
+          <a:p>
+            <a:pPr marL="0" indent="0">
+              <a:buNone/>
+            </a:pPr>
+            <a:r>
+              <a:rPr lang="en-US" dirty="0" smtClean="0"/>
+              <a:t>Play one </a:t>
+            </a:r>
+            <a:r>
+              <a:rPr lang="en-US" dirty="0"/>
+              <a:t>two-player game of war and create output similar to </a:t>
+            </a:r>
+            <a:r>
+              <a:rPr lang="en-US" dirty="0" smtClean="0"/>
+              <a:t>below</a:t>
+            </a:r>
+            <a:r>
+              <a:rPr lang="en-US" dirty="0"/>
+              <a:t>:</a:t>
+            </a:r>
+          </a:p>
+          <a:p>
+            <a:r>
+              <a:rPr lang="en-US" dirty="0"/>
+              <a:t>create deck, hands and stacks</a:t>
+            </a:r>
+          </a:p>
+          <a:p>
+            <a:r>
+              <a:rPr lang="en-US" dirty="0"/>
+              <a:t>deal the cards</a:t>
+            </a:r>
+          </a:p>
+          <a:p>
+            <a:r>
+              <a:rPr lang="en-US" dirty="0"/>
+              <a:t>play the game</a:t>
+            </a:r>
+          </a:p>
+          <a:p>
+            <a:r>
+              <a:rPr lang="en-US" dirty="0"/>
+              <a:t>print out the array formatted as below:</a:t>
+            </a:r>
+          </a:p>
+          <a:p>
+            <a:pPr lvl="1"/>
+            <a:r>
+              <a:rPr lang="en-US" dirty="0" err="1"/>
+              <a:t>HeaderRow</a:t>
+            </a:r>
+            <a:r>
+              <a:rPr lang="en-US" dirty="0"/>
+              <a:t>: A --- player --- B</a:t>
+            </a:r>
+          </a:p>
+          <a:p>
+            <a:pPr lvl="1"/>
+            <a:r>
+              <a:rPr lang="en-US" dirty="0"/>
+              <a:t>Each Round:</a:t>
+            </a:r>
+          </a:p>
+          <a:p>
+            <a:pPr lvl="2"/>
+            <a:r>
+              <a:rPr lang="en-US" dirty="0"/>
+              <a:t>26 ---round 1--- 26 (# of </a:t>
+            </a:r>
+            <a:r>
+              <a:rPr lang="en-US" dirty="0" smtClean="0"/>
+              <a:t>A’s cards ---</a:t>
+            </a:r>
+            <a:r>
+              <a:rPr lang="en-US" dirty="0"/>
+              <a:t>round # or WAR--- # of </a:t>
+            </a:r>
+            <a:r>
+              <a:rPr lang="en-US" dirty="0" smtClean="0"/>
+              <a:t>B’s cards)</a:t>
+            </a:r>
+            <a:endParaRPr lang="en-US" dirty="0"/>
+          </a:p>
+          <a:p>
+            <a:pPr lvl="2"/>
+            <a:r>
+              <a:rPr lang="en-US" dirty="0"/>
+              <a:t>player A's card : player B's card</a:t>
+            </a:r>
+          </a:p>
+          <a:p>
+            <a:endParaRPr lang="en-US" dirty="0"/>
+          </a:p>
+        </p:txBody>
+      </p:sp>
+      <p:sp>
+        <p:nvSpPr>
+          <p:cNvPr id="6" name="Rectangle 5"/>
+          <p:cNvSpPr/>
+          <p:nvPr/>
+        </p:nvSpPr>
+        <p:spPr>
+          <a:xfrm>
+            <a:off x="9374821" y="4132025"/>
+            <a:ext cx="2441361" cy="2462213"/>
+          </a:xfrm>
+          <a:prstGeom prst="rect">
+            <a:avLst/>
+          </a:prstGeom>
+          <a:solidFill>
+            <a:schemeClr val="bg1">
+              <a:lumMod val="95000"/>
+            </a:schemeClr>
+          </a:solidFill>
+        </p:spPr>
+        <p:txBody>
+          <a:bodyPr wrap="square">
+            <a:spAutoFit/>
+          </a:bodyPr>
+          <a:lstStyle/>
+          <a:p>
+            <a:r>
+              <a:rPr lang="en-US" sz="1400" dirty="0">
+                <a:latin typeface="Courier New" panose="02070309020205020404" pitchFamily="49" charset="0"/>
+                <a:cs typeface="Courier New" panose="02070309020205020404" pitchFamily="49" charset="0"/>
+              </a:rPr>
+              <a:t>A --- player --- B</a:t>
+            </a:r>
+          </a:p>
+          <a:p>
+            <a:r>
+              <a:rPr lang="en-US" sz="1400" dirty="0">
+                <a:latin typeface="Courier New" panose="02070309020205020404" pitchFamily="49" charset="0"/>
+                <a:cs typeface="Courier New" panose="02070309020205020404" pitchFamily="49" charset="0"/>
+              </a:rPr>
+              <a:t>26 ---round 1--- 26</a:t>
+            </a:r>
+          </a:p>
+          <a:p>
+            <a:r>
+              <a:rPr lang="en-US" sz="1400" dirty="0">
+                <a:latin typeface="Courier New" panose="02070309020205020404" pitchFamily="49" charset="0"/>
+                <a:cs typeface="Courier New" panose="02070309020205020404" pitchFamily="49" charset="0"/>
+              </a:rPr>
+              <a:t>     3-C : K-C</a:t>
+            </a:r>
+          </a:p>
+          <a:p>
+            <a:r>
+              <a:rPr lang="en-US" sz="1400" dirty="0">
+                <a:latin typeface="Courier New" panose="02070309020205020404" pitchFamily="49" charset="0"/>
+                <a:cs typeface="Courier New" panose="02070309020205020404" pitchFamily="49" charset="0"/>
+              </a:rPr>
+              <a:t>25 ---round 2--- 27</a:t>
+            </a:r>
+          </a:p>
+          <a:p>
+            <a:r>
+              <a:rPr lang="en-US" sz="1400" dirty="0">
+                <a:latin typeface="Courier New" panose="02070309020205020404" pitchFamily="49" charset="0"/>
+                <a:cs typeface="Courier New" panose="02070309020205020404" pitchFamily="49" charset="0"/>
+              </a:rPr>
+              <a:t>     5-S : 7-H</a:t>
+            </a:r>
+          </a:p>
+          <a:p>
+            <a:r>
+              <a:rPr lang="en-US" sz="1400" dirty="0">
+                <a:latin typeface="Courier New" panose="02070309020205020404" pitchFamily="49" charset="0"/>
+                <a:cs typeface="Courier New" panose="02070309020205020404" pitchFamily="49" charset="0"/>
+              </a:rPr>
+              <a:t>24 ---round 3--- 28</a:t>
+            </a:r>
+          </a:p>
+          <a:p>
+            <a:r>
+              <a:rPr lang="en-US" sz="1400" dirty="0">
+                <a:latin typeface="Courier New" panose="02070309020205020404" pitchFamily="49" charset="0"/>
+                <a:cs typeface="Courier New" panose="02070309020205020404" pitchFamily="49" charset="0"/>
+              </a:rPr>
+              <a:t>     Q-C : Q-S</a:t>
+            </a:r>
+          </a:p>
+          <a:p>
+            <a:r>
+              <a:rPr lang="en-US" sz="1400" dirty="0">
+                <a:latin typeface="Courier New" panose="02070309020205020404" pitchFamily="49" charset="0"/>
+                <a:cs typeface="Courier New" panose="02070309020205020404" pitchFamily="49" charset="0"/>
+              </a:rPr>
+              <a:t>23 ----- WAR ----- 27</a:t>
+            </a:r>
+          </a:p>
+          <a:p>
+            <a:r>
+              <a:rPr lang="en-US" sz="1400" dirty="0">
+                <a:latin typeface="Courier New" panose="02070309020205020404" pitchFamily="49" charset="0"/>
+                <a:cs typeface="Courier New" panose="02070309020205020404" pitchFamily="49" charset="0"/>
+              </a:rPr>
+              <a:t>     2-H : 7-S</a:t>
+            </a:r>
+          </a:p>
+          <a:p>
+            <a:r>
+              <a:rPr lang="en-US" sz="1400" dirty="0">
+                <a:latin typeface="Courier New" panose="02070309020205020404" pitchFamily="49" charset="0"/>
+                <a:cs typeface="Courier New" panose="02070309020205020404" pitchFamily="49" charset="0"/>
+              </a:rPr>
+              <a:t>21 ---round 5--- 29</a:t>
+            </a:r>
+          </a:p>
+          <a:p>
+            <a:r>
+              <a:rPr lang="en-US" sz="1400" dirty="0">
+                <a:latin typeface="Courier New" panose="02070309020205020404" pitchFamily="49" charset="0"/>
+                <a:cs typeface="Courier New" panose="02070309020205020404" pitchFamily="49" charset="0"/>
+              </a:rPr>
+              <a:t>     T-H : T-D</a:t>
+            </a:r>
+          </a:p>
+        </p:txBody>
+      </p:sp>
+    </p:spTree>
+    <p:extLst>
+      <p:ext uri="{BB962C8B-B14F-4D97-AF65-F5344CB8AC3E}">
+        <p14:creationId xmlns:p14="http://schemas.microsoft.com/office/powerpoint/2010/main" val="2637324505"/>
       </p:ext>
     </p:extLst>
   </p:cSld>
